--- a/Slides/ECTTP_Les_3_Conditions.pptx
+++ b/Slides/ECTTP_Les_3_Conditions.pptx
@@ -214,7 +214,7 @@
           <a:p>
             <a:fld id="{982F5773-A4C2-49AD-B804-F6F9DAD548FC}" type="datetimeFigureOut">
               <a:rPr lang="nl-NL" smtClean="0"/>
-              <a:t>14-9-2016</a:t>
+              <a:t>15-9-2016</a:t>
             </a:fld>
             <a:endParaRPr lang="nl-NL"/>
           </a:p>
@@ -674,7 +674,7 @@
           <a:p>
             <a:fld id="{DE04339C-2201-45A8-9ECB-B18791DD5D3F}" type="datetimeFigureOut">
               <a:rPr lang="nl-NL" smtClean="0"/>
-              <a:t>14-9-2016</a:t>
+              <a:t>15-9-2016</a:t>
             </a:fld>
             <a:endParaRPr lang="nl-NL"/>
           </a:p>
@@ -839,7 +839,7 @@
           <a:p>
             <a:fld id="{DE04339C-2201-45A8-9ECB-B18791DD5D3F}" type="datetimeFigureOut">
               <a:rPr lang="nl-NL" smtClean="0"/>
-              <a:t>14-9-2016</a:t>
+              <a:t>15-9-2016</a:t>
             </a:fld>
             <a:endParaRPr lang="nl-NL"/>
           </a:p>
@@ -1014,7 +1014,7 @@
           <a:p>
             <a:fld id="{DE04339C-2201-45A8-9ECB-B18791DD5D3F}" type="datetimeFigureOut">
               <a:rPr lang="nl-NL" smtClean="0"/>
-              <a:t>14-9-2016</a:t>
+              <a:t>15-9-2016</a:t>
             </a:fld>
             <a:endParaRPr lang="nl-NL"/>
           </a:p>
@@ -1197,7 +1197,7 @@
           <a:p>
             <a:fld id="{DE04339C-2201-45A8-9ECB-B18791DD5D3F}" type="datetimeFigureOut">
               <a:rPr lang="nl-NL" smtClean="0"/>
-              <a:t>14-9-2016</a:t>
+              <a:t>15-9-2016</a:t>
             </a:fld>
             <a:endParaRPr lang="nl-NL"/>
           </a:p>
@@ -1459,7 +1459,7 @@
           <a:p>
             <a:fld id="{DE04339C-2201-45A8-9ECB-B18791DD5D3F}" type="datetimeFigureOut">
               <a:rPr lang="nl-NL" smtClean="0"/>
-              <a:t>14-9-2016</a:t>
+              <a:t>15-9-2016</a:t>
             </a:fld>
             <a:endParaRPr lang="nl-NL"/>
           </a:p>
@@ -1807,7 +1807,7 @@
           <a:p>
             <a:fld id="{DE04339C-2201-45A8-9ECB-B18791DD5D3F}" type="datetimeFigureOut">
               <a:rPr lang="nl-NL" smtClean="0"/>
-              <a:t>14-9-2016</a:t>
+              <a:t>15-9-2016</a:t>
             </a:fld>
             <a:endParaRPr lang="nl-NL"/>
           </a:p>
@@ -2115,7 +2115,7 @@
           <a:p>
             <a:fld id="{DE04339C-2201-45A8-9ECB-B18791DD5D3F}" type="datetimeFigureOut">
               <a:rPr lang="nl-NL" smtClean="0"/>
-              <a:t>14-9-2016</a:t>
+              <a:t>15-9-2016</a:t>
             </a:fld>
             <a:endParaRPr lang="nl-NL"/>
           </a:p>
@@ -2342,7 +2342,7 @@
           <a:p>
             <a:fld id="{DE04339C-2201-45A8-9ECB-B18791DD5D3F}" type="datetimeFigureOut">
               <a:rPr lang="nl-NL" smtClean="0"/>
-              <a:t>14-9-2016</a:t>
+              <a:t>15-9-2016</a:t>
             </a:fld>
             <a:endParaRPr lang="nl-NL"/>
           </a:p>
@@ -2432,7 +2432,7 @@
           <a:p>
             <a:fld id="{DE04339C-2201-45A8-9ECB-B18791DD5D3F}" type="datetimeFigureOut">
               <a:rPr lang="nl-NL" smtClean="0"/>
-              <a:t>14-9-2016</a:t>
+              <a:t>15-9-2016</a:t>
             </a:fld>
             <a:endParaRPr lang="nl-NL"/>
           </a:p>
@@ -2720,7 +2720,7 @@
           <a:p>
             <a:fld id="{DE04339C-2201-45A8-9ECB-B18791DD5D3F}" type="datetimeFigureOut">
               <a:rPr lang="nl-NL" smtClean="0"/>
-              <a:t>14-9-2016</a:t>
+              <a:t>15-9-2016</a:t>
             </a:fld>
             <a:endParaRPr lang="nl-NL"/>
           </a:p>
@@ -2989,7 +2989,7 @@
           <a:p>
             <a:fld id="{DE04339C-2201-45A8-9ECB-B18791DD5D3F}" type="datetimeFigureOut">
               <a:rPr lang="nl-NL" smtClean="0"/>
-              <a:t>14-9-2016</a:t>
+              <a:t>15-9-2016</a:t>
             </a:fld>
             <a:endParaRPr lang="nl-NL"/>
           </a:p>
@@ -3199,7 +3199,7 @@
           <a:p>
             <a:fld id="{DE04339C-2201-45A8-9ECB-B18791DD5D3F}" type="datetimeFigureOut">
               <a:rPr lang="nl-NL" smtClean="0"/>
-              <a:t>14-9-2016</a:t>
+              <a:t>15-9-2016</a:t>
             </a:fld>
             <a:endParaRPr lang="nl-NL"/>
           </a:p>
@@ -4395,6 +4395,13 @@
   <p:clrMapOvr>
     <a:masterClrMapping/>
   </p:clrMapOvr>
+  <p:timing>
+    <p:tnLst>
+      <p:par>
+        <p:cTn id="1" dur="indefinite" restart="never" nodeType="tmRoot"/>
+      </p:par>
+    </p:tnLst>
+  </p:timing>
 </p:sld>
 </file>
 
@@ -4542,6 +4549,13 @@
   <p:clrMapOvr>
     <a:masterClrMapping/>
   </p:clrMapOvr>
+  <p:timing>
+    <p:tnLst>
+      <p:par>
+        <p:cTn id="1" dur="indefinite" restart="never" nodeType="tmRoot"/>
+      </p:par>
+    </p:tnLst>
+  </p:timing>
 </p:sld>
 </file>
 
@@ -4645,6 +4659,13 @@
   <p:clrMapOvr>
     <a:masterClrMapping/>
   </p:clrMapOvr>
+  <p:timing>
+    <p:tnLst>
+      <p:par>
+        <p:cTn id="1" dur="indefinite" restart="never" nodeType="tmRoot"/>
+      </p:par>
+    </p:tnLst>
+  </p:timing>
 </p:sld>
 </file>
 
@@ -4791,6 +4812,13 @@
   <p:clrMapOvr>
     <a:masterClrMapping/>
   </p:clrMapOvr>
+  <p:timing>
+    <p:tnLst>
+      <p:par>
+        <p:cTn id="1" dur="indefinite" restart="never" nodeType="tmRoot"/>
+      </p:par>
+    </p:tnLst>
+  </p:timing>
 </p:sld>
 </file>
 
@@ -4976,6 +5004,13 @@
   <p:clrMapOvr>
     <a:masterClrMapping/>
   </p:clrMapOvr>
+  <p:timing>
+    <p:tnLst>
+      <p:par>
+        <p:cTn id="1" dur="indefinite" restart="never" nodeType="tmRoot"/>
+      </p:par>
+    </p:tnLst>
+  </p:timing>
 </p:sld>
 </file>
 
@@ -5110,6 +5145,13 @@
   <p:clrMapOvr>
     <a:masterClrMapping/>
   </p:clrMapOvr>
+  <p:timing>
+    <p:tnLst>
+      <p:par>
+        <p:cTn id="1" dur="indefinite" restart="never" nodeType="tmRoot"/>
+      </p:par>
+    </p:tnLst>
+  </p:timing>
 </p:sld>
 </file>
 
@@ -5232,6 +5274,12 @@
               <a:rPr lang="nl-NL" dirty="0" smtClean="0"/>
               <a:t>Operators:</a:t>
             </a:r>
+          </a:p>
+          <a:p>
+            <a:r>
+              <a:rPr lang="nl-NL" dirty="0" smtClean="0"/>
+              <a:t>8 parentheses (,)</a:t>
+            </a:r>
             <a:endParaRPr lang="nl-NL" dirty="0"/>
           </a:p>
           <a:p>
@@ -5288,6 +5336,13 @@
   <p:clrMapOvr>
     <a:masterClrMapping/>
   </p:clrMapOvr>
+  <p:timing>
+    <p:tnLst>
+      <p:par>
+        <p:cTn id="1" dur="indefinite" restart="never" nodeType="tmRoot"/>
+      </p:par>
+    </p:tnLst>
+  </p:timing>
 </p:sld>
 </file>
 
@@ -5545,6 +5600,13 @@
   <p:clrMapOvr>
     <a:masterClrMapping/>
   </p:clrMapOvr>
+  <p:timing>
+    <p:tnLst>
+      <p:par>
+        <p:cTn id="1" dur="indefinite" restart="never" nodeType="tmRoot"/>
+      </p:par>
+    </p:tnLst>
+  </p:timing>
 </p:sld>
 </file>
 
@@ -5810,6 +5872,13 @@
   <p:clrMapOvr>
     <a:masterClrMapping/>
   </p:clrMapOvr>
+  <p:timing>
+    <p:tnLst>
+      <p:par>
+        <p:cTn id="1" dur="indefinite" restart="never" nodeType="tmRoot"/>
+      </p:par>
+    </p:tnLst>
+  </p:timing>
 </p:sld>
 </file>
 
@@ -5955,6 +6024,13 @@
   <p:clrMapOvr>
     <a:masterClrMapping/>
   </p:clrMapOvr>
+  <p:timing>
+    <p:tnLst>
+      <p:par>
+        <p:cTn id="1" dur="indefinite" restart="never" nodeType="tmRoot"/>
+      </p:par>
+    </p:tnLst>
+  </p:timing>
 </p:sld>
 </file>
 
@@ -6479,6 +6555,13 @@
   <p:clrMapOvr>
     <a:masterClrMapping/>
   </p:clrMapOvr>
+  <p:timing>
+    <p:tnLst>
+      <p:par>
+        <p:cTn id="1" dur="indefinite" restart="never" nodeType="tmRoot"/>
+      </p:par>
+    </p:tnLst>
+  </p:timing>
 </p:sld>
 </file>
 
@@ -6577,6 +6660,13 @@
   <p:clrMapOvr>
     <a:masterClrMapping/>
   </p:clrMapOvr>
+  <p:timing>
+    <p:tnLst>
+      <p:par>
+        <p:cTn id="1" dur="indefinite" restart="never" nodeType="tmRoot"/>
+      </p:par>
+    </p:tnLst>
+  </p:timing>
 </p:sld>
 </file>
 
@@ -7147,6 +7237,13 @@
   <p:clrMapOvr>
     <a:masterClrMapping/>
   </p:clrMapOvr>
+  <p:timing>
+    <p:tnLst>
+      <p:par>
+        <p:cTn id="1" dur="indefinite" restart="never" nodeType="tmRoot"/>
+      </p:par>
+    </p:tnLst>
+  </p:timing>
 </p:sld>
 </file>
 
@@ -7290,6 +7387,13 @@
   <p:clrMapOvr>
     <a:masterClrMapping/>
   </p:clrMapOvr>
+  <p:timing>
+    <p:tnLst>
+      <p:par>
+        <p:cTn id="1" dur="indefinite" restart="never" nodeType="tmRoot"/>
+      </p:par>
+    </p:tnLst>
+  </p:timing>
 </p:sld>
 </file>
 
@@ -7567,6 +7671,13 @@
   <p:clrMapOvr>
     <a:masterClrMapping/>
   </p:clrMapOvr>
+  <p:timing>
+    <p:tnLst>
+      <p:par>
+        <p:cTn id="1" dur="indefinite" restart="never" nodeType="tmRoot"/>
+      </p:par>
+    </p:tnLst>
+  </p:timing>
 </p:sld>
 </file>
 
@@ -7708,6 +7819,13 @@
   <p:clrMapOvr>
     <a:masterClrMapping/>
   </p:clrMapOvr>
+  <p:timing>
+    <p:tnLst>
+      <p:par>
+        <p:cTn id="1" dur="indefinite" restart="never" nodeType="tmRoot"/>
+      </p:par>
+    </p:tnLst>
+  </p:timing>
 </p:sld>
 </file>
 
@@ -7947,6 +8065,13 @@
   <p:clrMapOvr>
     <a:masterClrMapping/>
   </p:clrMapOvr>
+  <p:timing>
+    <p:tnLst>
+      <p:par>
+        <p:cTn id="1" dur="indefinite" restart="never" nodeType="tmRoot"/>
+      </p:par>
+    </p:tnLst>
+  </p:timing>
 </p:sld>
 </file>
 
@@ -8167,6 +8292,13 @@
   <p:clrMapOvr>
     <a:masterClrMapping/>
   </p:clrMapOvr>
+  <p:timing>
+    <p:tnLst>
+      <p:par>
+        <p:cTn id="1" dur="indefinite" restart="never" nodeType="tmRoot"/>
+      </p:par>
+    </p:tnLst>
+  </p:timing>
 </p:sld>
 </file>
 
